--- a/MachineLearning11-MachineLearning.pptx
+++ b/MachineLearning11-MachineLearning.pptx
@@ -8829,7 +8829,15 @@
           <a:p>
             <a:r>
               <a:rPr lang="fr-FR" dirty="0"/>
-              <a:t>Une fois les données nettoyée on peut les prétraitées</a:t>
+              <a:t>Une fois les </a:t>
+            </a:r>
+            <a:r>
+              <a:rPr lang="fr-FR"/>
+              <a:t>données nettoyées </a:t>
+            </a:r>
+            <a:r>
+              <a:rPr lang="fr-FR" dirty="0"/>
+              <a:t>on peut les prétraitées</a:t>
             </a:r>
           </a:p>
           <a:p>
